--- a/Later/Exception/Exception_55/Java Exception Handling-Checked Exception Vs Unchecked Exception.pptx
+++ b/Later/Exception/Exception_55/Java Exception Handling-Checked Exception Vs Unchecked Exception.pptx
@@ -3575,7 +3575,7 @@
         <p:spPr>
           <a:xfrm>
             <a:off x="2971800" y="35738"/>
-            <a:ext cx="3124200" cy="276999"/>
+            <a:ext cx="3124200" cy="461665"/>
           </a:xfrm>
           <a:prstGeom prst="rect">
             <a:avLst/>
@@ -3604,7 +3604,15 @@
             <a:pPr algn="ctr"/>
             <a:r>
               <a:rPr lang="en-US" sz="1200" dirty="0" smtClean="0"/>
-              <a:t>Checked Exception Vs. Unchecked Exceptions</a:t>
+              <a:t>Checked Exception Vs. Unchecked </a:t>
+            </a:r>
+            <a:r>
+              <a:rPr lang="en-US" sz="1200" dirty="0" smtClean="0"/>
+              <a:t>Exceptions </a:t>
+            </a:r>
+            <a:r>
+              <a:rPr lang="en-US" sz="1200" smtClean="0"/>
+              <a:t>yyyy</a:t>
             </a:r>
             <a:endParaRPr lang="en-US" sz="1200" dirty="0"/>
           </a:p>

--- a/Later/Exception/Exception_55/Java Exception Handling-Checked Exception Vs Unchecked Exception.pptx
+++ b/Later/Exception/Exception_55/Java Exception Handling-Checked Exception Vs Unchecked Exception.pptx
@@ -3575,7 +3575,7 @@
         <p:spPr>
           <a:xfrm>
             <a:off x="2971800" y="35738"/>
-            <a:ext cx="3124200" cy="461665"/>
+            <a:ext cx="3124200" cy="276999"/>
           </a:xfrm>
           <a:prstGeom prst="rect">
             <a:avLst/>
@@ -3608,11 +3608,7 @@
             </a:r>
             <a:r>
               <a:rPr lang="en-US" sz="1200" dirty="0" smtClean="0"/>
-              <a:t>Exceptions </a:t>
-            </a:r>
-            <a:r>
-              <a:rPr lang="en-US" sz="1200" smtClean="0"/>
-              <a:t>yyyy</a:t>
+              <a:t>Exceptions</a:t>
             </a:r>
             <a:endParaRPr lang="en-US" sz="1200" dirty="0"/>
           </a:p>
